--- a/SmartHome.PPTX
+++ b/SmartHome.PPTX
@@ -5078,13 +5078,13 @@
         <p:spPr/>
         <p:txBody>
           <a:bodyPr>
-            <a:normAutofit fontScale="92500" lnSpcReduction="10000"/>
+            <a:normAutofit fontScale="92500" lnSpcReduction="20000"/>
           </a:bodyPr>
           <a:lstStyle/>
           <a:p>
             <a:r>
-              <a:rPr lang="en-US" dirty="0"/>
-              <a:t>When the system is set to Armed (Stay) mode, movements inside the house should not trigger the alarm.</a:t>
+              <a:rPr lang="ru-RU" dirty="0"/>
+              <a:t>Когда система находится в режиме охраны (хозяин дома), движения внутри дома не должны вызывать срабатывание сигнализации.</a:t>
             </a:r>
           </a:p>
           <a:p>
@@ -5209,10 +5209,9 @@
               </a:lnSpc>
             </a:pPr>
             <a:r>
-              <a:rPr lang="en-US" sz="2600" dirty="0"/>
-              <a:t>After the system is disarmed following an alarm or a security breach, it should eventually return to a normal state.</a:t>
-            </a:r>
-            <a:endParaRPr lang="ru-RU" sz="2600" dirty="0"/>
+              <a:rPr lang="ru-RU" sz="2600" dirty="0"/>
+              <a:t>После снятия системы с охраны в результате тревоги или нарушения безопасности она должна в конечном итоге вернуться в нормальное состояние.</a:t>
+            </a:r>
           </a:p>
           <a:p>
             <a:pPr>
@@ -5221,11 +5220,9 @@
               </a:lnSpc>
             </a:pPr>
             <a:r>
-              <a:rPr lang="en-US" sz="2600" dirty="0"/>
-              <a:t>In the event of a security breach, the system must send a notification to the user.</a:t>
-            </a:r>
-          </a:p>
-          <a:p>
+              <a:rPr lang="ru-RU" sz="2600" dirty="0"/>
+              <a:t>В случае нарушения безопасности система должна отправить пользователю уведомление.</a:t>
+            </a:r>
             <a:endParaRPr lang="en-US" b="0" i="0" dirty="0">
               <a:solidFill>
                 <a:srgbClr val="374151"/>

--- a/SmartHome.PPTX
+++ b/SmartHome.PPTX
@@ -5124,6 +5124,61 @@
           </a:p>
         </p:txBody>
       </p:sp>
+      <p:sp>
+        <p:nvSpPr>
+          <p:cNvPr id="4" name="TextBox 3">
+            <a:extLst>
+              <a:ext uri="{FF2B5EF4-FFF2-40B4-BE49-F238E27FC236}">
+                <a16:creationId xmlns:a16="http://schemas.microsoft.com/office/drawing/2014/main" id="{43294840-D8B3-1B77-A1B4-D35D87C5C90F}"/>
+              </a:ext>
+            </a:extLst>
+          </p:cNvPr>
+          <p:cNvSpPr txBox="1"/>
+          <p:nvPr/>
+        </p:nvSpPr>
+        <p:spPr>
+          <a:xfrm>
+            <a:off x="8126083" y="5942568"/>
+            <a:ext cx="2746265" cy="369332"/>
+          </a:xfrm>
+          <a:prstGeom prst="rect">
+            <a:avLst/>
+          </a:prstGeom>
+          <a:noFill/>
+        </p:spPr>
+        <p:txBody>
+          <a:bodyPr wrap="none" rtlCol="0">
+            <a:spAutoFit/>
+          </a:bodyPr>
+          <a:lstStyle/>
+          <a:p>
+            <a:r>
+              <a:rPr lang="ru-RU" dirty="0">
+                <a:solidFill>
+                  <a:srgbClr val="FF0000"/>
+                </a:solidFill>
+              </a:rPr>
+              <a:t>Формулы описаны в </a:t>
+            </a:r>
+            <a:r>
+              <a:rPr lang="en-US" dirty="0" err="1">
+                <a:solidFill>
+                  <a:srgbClr val="FF0000"/>
+                </a:solidFill>
+              </a:rPr>
+              <a:t>tla</a:t>
+            </a:r>
+            <a:r>
+              <a:rPr lang="en-US" dirty="0">
+                <a:solidFill>
+                  <a:srgbClr val="FF0000"/>
+                </a:solidFill>
+              </a:rPr>
+              <a:t>+</a:t>
+            </a:r>
+          </a:p>
+        </p:txBody>
+      </p:sp>
     </p:spTree>
     <p:extLst>
       <p:ext uri="{BB962C8B-B14F-4D97-AF65-F5344CB8AC3E}">
@@ -5210,7 +5265,7 @@
             </a:pPr>
             <a:r>
               <a:rPr lang="ru-RU" sz="2600" dirty="0"/>
-              <a:t>После снятия системы с охраны в результате тревоги или нарушения безопасности она должна в конечном итоге вернуться в нормальное состояние.</a:t>
+              <a:t>Система обязательно перейдет во включенное состояние.</a:t>
             </a:r>
           </a:p>
           <a:p>

--- a/SmartHome.PPTX
+++ b/SmartHome.PPTX
@@ -5078,7 +5078,7 @@
         <p:spPr/>
         <p:txBody>
           <a:bodyPr>
-            <a:normAutofit fontScale="92500" lnSpcReduction="20000"/>
+            <a:normAutofit fontScale="92500" lnSpcReduction="10000"/>
           </a:bodyPr>
           <a:lstStyle/>
           <a:p>
@@ -5103,15 +5103,10 @@
           </a:p>
           <a:p>
             <a:r>
-              <a:rPr lang="en-US" dirty="0"/>
-              <a:t>The sounding alarm should only be silenced by entering a correct disarm code or through an authenticated remote command.</a:t>
-            </a:r>
-          </a:p>
-          <a:p>
-            <a:r>
-              <a:rPr lang="en-US" dirty="0"/>
-              <a:t>the motion sensors should not trigger the alarm due to pet movement.</a:t>
-            </a:r>
+              <a:rPr lang="ru-RU" dirty="0"/>
+              <a:t>Датчики движения не должны вызывать срабатывание сигнализации из-за движения домашнего животного.</a:t>
+            </a:r>
+            <a:endParaRPr lang="en-US" dirty="0"/>
           </a:p>
           <a:p>
             <a:r>
